--- a/Uke 37/Uke 37 - CSS.pptx
+++ b/Uke 37/Uke 37 - CSS.pptx
@@ -10,7 +10,6 @@
     <p:sldId id="258" r:id="rId4"/>
     <p:sldId id="259" r:id="rId5"/>
     <p:sldId id="260" r:id="rId6"/>
-    <p:sldId id="261" r:id="rId7"/>
   </p:sldIdLst>
   <p:sldSz cx="12192000" cy="6858000"/>
   <p:notesSz cx="6858000" cy="9144000"/>
@@ -119,7 +118,6 @@
             <p14:sldId id="258"/>
             <p14:sldId id="259"/>
             <p14:sldId id="260"/>
-            <p14:sldId id="261"/>
           </p14:sldIdLst>
         </p14:section>
       </p14:sectionLst>
@@ -4823,246 +4821,6 @@
 </p:sld>
 </file>
 
-<file path=ppt/slides/slide6.xml><?xml version="1.0" encoding="utf-8"?>
-<p:sld xmlns:a="http://schemas.openxmlformats.org/drawingml/2006/main" xmlns:r="http://schemas.openxmlformats.org/officeDocument/2006/relationships" xmlns:p="http://schemas.openxmlformats.org/presentationml/2006/main">
-  <p:cSld>
-    <p:spTree>
-      <p:nvGrpSpPr>
-        <p:cNvPr id="1" name=""/>
-        <p:cNvGrpSpPr/>
-        <p:nvPr/>
-      </p:nvGrpSpPr>
-      <p:grpSpPr>
-        <a:xfrm>
-          <a:off x="0" y="0"/>
-          <a:ext cx="0" cy="0"/>
-          <a:chOff x="0" y="0"/>
-          <a:chExt cx="0" cy="0"/>
-        </a:xfrm>
-      </p:grpSpPr>
-      <p:sp>
-        <p:nvSpPr>
-          <p:cNvPr id="2" name="Tittel 1">
-            <a:extLst>
-              <a:ext uri="{FF2B5EF4-FFF2-40B4-BE49-F238E27FC236}">
-                <a16:creationId xmlns:a16="http://schemas.microsoft.com/office/drawing/2014/main" id="{02C94F31-A15B-439D-B806-39148D1F36B4}"/>
-              </a:ext>
-            </a:extLst>
-          </p:cNvPr>
-          <p:cNvSpPr>
-            <a:spLocks noGrp="1"/>
-          </p:cNvSpPr>
-          <p:nvPr>
-            <p:ph type="title"/>
-          </p:nvPr>
-        </p:nvSpPr>
-        <p:spPr/>
-        <p:txBody>
-          <a:bodyPr/>
-          <a:lstStyle/>
-          <a:p>
-            <a:pPr algn="ctr"/>
-            <a:r>
-              <a:rPr lang="nb-NO" dirty="0"/>
-              <a:t>Grid</a:t>
-            </a:r>
-            <a:endParaRPr lang="en-GB" dirty="0"/>
-          </a:p>
-        </p:txBody>
-      </p:sp>
-      <p:sp>
-        <p:nvSpPr>
-          <p:cNvPr id="3" name="Plassholder for innhold 2">
-            <a:extLst>
-              <a:ext uri="{FF2B5EF4-FFF2-40B4-BE49-F238E27FC236}">
-                <a16:creationId xmlns:a16="http://schemas.microsoft.com/office/drawing/2014/main" id="{FB66605B-1CAE-4C76-95CB-42FD4F016135}"/>
-              </a:ext>
-            </a:extLst>
-          </p:cNvPr>
-          <p:cNvSpPr>
-            <a:spLocks noGrp="1"/>
-          </p:cNvSpPr>
-          <p:nvPr>
-            <p:ph idx="1"/>
-          </p:nvPr>
-        </p:nvSpPr>
-        <p:spPr/>
-        <p:txBody>
-          <a:bodyPr/>
-          <a:lstStyle/>
-          <a:p>
-            <a:pPr marL="0" indent="0">
-              <a:buNone/>
-            </a:pPr>
-            <a:r>
-              <a:rPr lang="nb-NO" dirty="0"/>
-              <a:t>Vi kan gjøre om et html element til en grid ved å skrive følgende i en selektor:</a:t>
-            </a:r>
-          </a:p>
-          <a:p>
-            <a:pPr marL="0" indent="0">
-              <a:buNone/>
-            </a:pPr>
-            <a:r>
-              <a:rPr lang="nb-NO" dirty="0"/>
-              <a:t>	</a:t>
-            </a:r>
-            <a:r>
-              <a:rPr lang="nb-NO" sz="1600" dirty="0"/>
-              <a:t>			- </a:t>
-            </a:r>
-            <a:r>
-              <a:rPr lang="nb-NO" sz="1600" dirty="0" err="1"/>
-              <a:t>display:grid</a:t>
-            </a:r>
-            <a:r>
-              <a:rPr lang="nb-NO" sz="1600" dirty="0"/>
-              <a:t> aktiverer grid for alle </a:t>
-            </a:r>
-            <a:r>
-              <a:rPr lang="nb-NO" sz="1600" dirty="0" err="1"/>
-              <a:t>main</a:t>
-            </a:r>
-            <a:r>
-              <a:rPr lang="nb-NO" sz="1600" dirty="0"/>
-              <a:t> elementer i html koden</a:t>
-            </a:r>
-          </a:p>
-          <a:p>
-            <a:pPr marL="0" indent="0">
-              <a:buNone/>
-            </a:pPr>
-            <a:endParaRPr lang="nb-NO" sz="1600" dirty="0"/>
-          </a:p>
-          <a:p>
-            <a:pPr marL="0" indent="0">
-              <a:buNone/>
-            </a:pPr>
-            <a:r>
-              <a:rPr lang="nb-NO" sz="1600" dirty="0"/>
-              <a:t>				- med grid-</a:t>
-            </a:r>
-            <a:r>
-              <a:rPr lang="nb-NO" sz="1600" dirty="0" err="1"/>
-              <a:t>template</a:t>
-            </a:r>
-            <a:r>
-              <a:rPr lang="nb-NO" sz="1600" dirty="0"/>
-              <a:t> så setter vi opp rutenettet, den første raden vil fylles med 3 </a:t>
-            </a:r>
-          </a:p>
-          <a:p>
-            <a:pPr marL="0" indent="0">
-              <a:buNone/>
-            </a:pPr>
-            <a:r>
-              <a:rPr lang="nb-NO" sz="1600" dirty="0"/>
-              <a:t>				  ruter som har en bredde på 200px. Alle andre element i </a:t>
-            </a:r>
-            <a:r>
-              <a:rPr lang="nb-NO" sz="1600" dirty="0" err="1"/>
-              <a:t>main</a:t>
-            </a:r>
-            <a:r>
-              <a:rPr lang="nb-NO" sz="1600" dirty="0"/>
-              <a:t>, vil fylle opp nye </a:t>
-            </a:r>
-          </a:p>
-          <a:p>
-            <a:pPr marL="0" indent="0">
-              <a:buNone/>
-            </a:pPr>
-            <a:r>
-              <a:rPr lang="nb-NO" sz="1600" dirty="0"/>
-              <a:t>				  rader med tilsvarende oppsett.</a:t>
-            </a:r>
-          </a:p>
-          <a:p>
-            <a:pPr marL="0" indent="0">
-              <a:buNone/>
-            </a:pPr>
-            <a:endParaRPr lang="nb-NO" sz="1600" dirty="0"/>
-          </a:p>
-          <a:p>
-            <a:pPr marL="0" indent="0">
-              <a:buNone/>
-            </a:pPr>
-            <a:r>
-              <a:rPr lang="nb-NO" sz="1600" dirty="0"/>
-              <a:t>				- </a:t>
-            </a:r>
-            <a:r>
-              <a:rPr lang="nb-NO" sz="1600" dirty="0" err="1"/>
-              <a:t>column</a:t>
-            </a:r>
-            <a:r>
-              <a:rPr lang="nb-NO" sz="1600" dirty="0"/>
-              <a:t> og </a:t>
-            </a:r>
-            <a:r>
-              <a:rPr lang="nb-NO" sz="1600" dirty="0" err="1"/>
-              <a:t>row</a:t>
-            </a:r>
-            <a:r>
-              <a:rPr lang="nb-NO" sz="1600" dirty="0"/>
-              <a:t>-gap setter mellomrom mellom rutene</a:t>
-            </a:r>
-          </a:p>
-          <a:p>
-            <a:pPr marL="0" indent="0">
-              <a:buNone/>
-            </a:pPr>
-            <a:r>
-              <a:rPr lang="nb-NO" sz="2000" dirty="0"/>
-              <a:t>				  </a:t>
-            </a:r>
-            <a:endParaRPr lang="nb-NO" dirty="0"/>
-          </a:p>
-        </p:txBody>
-      </p:sp>
-      <p:pic>
-        <p:nvPicPr>
-          <p:cNvPr id="6" name="Bilde 5">
-            <a:extLst>
-              <a:ext uri="{FF2B5EF4-FFF2-40B4-BE49-F238E27FC236}">
-                <a16:creationId xmlns:a16="http://schemas.microsoft.com/office/drawing/2014/main" id="{30FB416A-8220-4621-BFF6-6ED6524D05F0}"/>
-              </a:ext>
-            </a:extLst>
-          </p:cNvPr>
-          <p:cNvPicPr>
-            <a:picLocks noChangeAspect="1"/>
-          </p:cNvPicPr>
-          <p:nvPr/>
-        </p:nvPicPr>
-        <p:blipFill>
-          <a:blip r:embed="rId2"/>
-          <a:stretch>
-            <a:fillRect/>
-          </a:stretch>
-        </p:blipFill>
-        <p:spPr>
-          <a:xfrm>
-            <a:off x="838200" y="2753519"/>
-            <a:ext cx="3621312" cy="1501240"/>
-          </a:xfrm>
-          <a:prstGeom prst="rect">
-            <a:avLst/>
-          </a:prstGeom>
-        </p:spPr>
-      </p:pic>
-    </p:spTree>
-    <p:extLst>
-      <p:ext uri="{BB962C8B-B14F-4D97-AF65-F5344CB8AC3E}">
-        <p14:creationId xmlns:p14="http://schemas.microsoft.com/office/powerpoint/2010/main" val="3610038578"/>
-      </p:ext>
-    </p:extLst>
-  </p:cSld>
-  <p:clrMapOvr>
-    <a:masterClrMapping/>
-  </p:clrMapOvr>
-</p:sld>
-</file>
-
 <file path=ppt/theme/theme1.xml><?xml version="1.0" encoding="utf-8"?>
 <a:theme xmlns:a="http://schemas.openxmlformats.org/drawingml/2006/main" name="Office-tema">
   <a:themeElements>
